--- a/2021-04-12to04-16 (A5) C53517 SoftMARS/11_03v01_MarsBaseAlpha_TechnologyTest.pptx
+++ b/2021-04-12to04-16 (A5) C53517 SoftMARS/11_03v01_MarsBaseAlpha_TechnologyTest.pptx
@@ -247,7 +247,7 @@
           <a:p>
             <a:fld id="{F319E496-E8FF-4856-B08F-DBE14D18B236}" type="datetimeFigureOut">
               <a:rPr lang="en-US" smtClean="0"/>
-              <a:t>2/14/2021</a:t>
+              <a:t>2/15/2021</a:t>
             </a:fld>
             <a:endParaRPr lang="en-US"/>
           </a:p>
@@ -424,7 +424,7 @@
           <a:p>
             <a:fld id="{4572F63B-EF0F-9942-98B2-F67CC88AF236}" type="datetimeFigureOut">
               <a:rPr lang="en-US" smtClean="0"/>
-              <a:t>2/14/2021</a:t>
+              <a:t>2/15/2021</a:t>
             </a:fld>
             <a:endParaRPr lang="en-US"/>
           </a:p>
@@ -5541,7 +5541,7 @@
           <p:nvPr>
             <p:extLst>
               <p:ext uri="{D42A27DB-BD31-4B8C-83A1-F6EECF244321}">
-                <p14:modId xmlns:p14="http://schemas.microsoft.com/office/powerpoint/2010/main" val="1028247282"/>
+                <p14:modId xmlns:p14="http://schemas.microsoft.com/office/powerpoint/2010/main" val="1801282613"/>
               </p:ext>
             </p:extLst>
           </p:nvPr>
@@ -5604,7 +5604,7 @@
           <p:nvPr>
             <p:extLst>
               <p:ext uri="{D42A27DB-BD31-4B8C-83A1-F6EECF244321}">
-                <p14:modId xmlns:p14="http://schemas.microsoft.com/office/powerpoint/2010/main" val="2245924311"/>
+                <p14:modId xmlns:p14="http://schemas.microsoft.com/office/powerpoint/2010/main" val="2447107148"/>
               </p:ext>
             </p:extLst>
           </p:nvPr>
@@ -5667,7 +5667,7 @@
           <p:nvPr>
             <p:extLst>
               <p:ext uri="{D42A27DB-BD31-4B8C-83A1-F6EECF244321}">
-                <p14:modId xmlns:p14="http://schemas.microsoft.com/office/powerpoint/2010/main" val="1968418911"/>
+                <p14:modId xmlns:p14="http://schemas.microsoft.com/office/powerpoint/2010/main" val="1423465993"/>
               </p:ext>
             </p:extLst>
           </p:nvPr>
@@ -7152,25 +7152,25 @@
           <p:nvPr>
             <p:extLst>
               <p:ext uri="{D42A27DB-BD31-4B8C-83A1-F6EECF244321}">
-                <p14:modId xmlns:p14="http://schemas.microsoft.com/office/powerpoint/2010/main" val="4050027942"/>
+                <p14:modId xmlns:p14="http://schemas.microsoft.com/office/powerpoint/2010/main" val="153543581"/>
               </p:ext>
             </p:extLst>
           </p:nvPr>
         </p:nvGraphicFramePr>
         <p:xfrm>
-          <a:off x="1173209" y="2118419"/>
-          <a:ext cx="8407400" cy="1162050"/>
+          <a:off x="1173163" y="1900238"/>
+          <a:ext cx="8407400" cy="1598612"/>
         </p:xfrm>
         <a:graphic>
           <a:graphicData uri="http://schemas.openxmlformats.org/presentationml/2006/ole">
             <mc:AlternateContent xmlns:mc="http://schemas.openxmlformats.org/markup-compatibility/2006">
               <mc:Choice xmlns:v="urn:schemas-microsoft-com:vml" Requires="v">
-                <p:oleObj name="Macro-Enabled Worksheet" r:id="rId3" imgW="8407504" imgH="997112" progId="Excel.SheetMacroEnabled.12">
+                <p:oleObj name="Macro-Enabled Worksheet" r:id="rId3" imgW="8407504" imgH="1371600" progId="Excel.SheetMacroEnabled.12">
                   <p:link updateAutomatic="1"/>
                 </p:oleObj>
               </mc:Choice>
               <mc:Fallback>
-                <p:oleObj name="Macro-Enabled Worksheet" r:id="rId3" imgW="8407504" imgH="997112" progId="Excel.SheetMacroEnabled.12">
+                <p:oleObj name="Macro-Enabled Worksheet" r:id="rId3" imgW="8407504" imgH="1371600" progId="Excel.SheetMacroEnabled.12">
                   <p:link updateAutomatic="1"/>
                   <p:pic>
                     <p:nvPicPr>
@@ -7186,8 +7186,8 @@
                     </p:blipFill>
                     <p:spPr>
                       <a:xfrm>
-                        <a:off x="1173209" y="2118419"/>
-                        <a:ext cx="8407400" cy="1162050"/>
+                        <a:off x="1173163" y="1900238"/>
+                        <a:ext cx="8407400" cy="1598612"/>
                       </a:xfrm>
                       <a:prstGeom prst="rect">
                         <a:avLst/>
@@ -7270,7 +7270,7 @@
           <p:nvPr>
             <p:extLst>
               <p:ext uri="{D42A27DB-BD31-4B8C-83A1-F6EECF244321}">
-                <p14:modId xmlns:p14="http://schemas.microsoft.com/office/powerpoint/2010/main" val="826492095"/>
+                <p14:modId xmlns:p14="http://schemas.microsoft.com/office/powerpoint/2010/main" val="2403552283"/>
               </p:ext>
             </p:extLst>
           </p:nvPr>
@@ -7388,7 +7388,7 @@
           <p:nvPr>
             <p:extLst>
               <p:ext uri="{D42A27DB-BD31-4B8C-83A1-F6EECF244321}">
-                <p14:modId xmlns:p14="http://schemas.microsoft.com/office/powerpoint/2010/main" val="3403454978"/>
+                <p14:modId xmlns:p14="http://schemas.microsoft.com/office/powerpoint/2010/main" val="2006883196"/>
               </p:ext>
             </p:extLst>
           </p:nvPr>
@@ -8764,15 +8764,6 @@
 </file>
 
 <file path=customXml/item1.xml><?xml version="1.0" encoding="utf-8"?>
-<?mso-contentType ?>
-<FormTemplates xmlns="http://schemas.microsoft.com/sharepoint/v3/contenttype/forms">
-  <Display>DocumentLibraryForm</Display>
-  <Edit>DocumentLibraryForm</Edit>
-  <New>DocumentLibraryForm</New>
-</FormTemplates>
-</file>
-
-<file path=customXml/item2.xml><?xml version="1.0" encoding="utf-8"?>
 <ct:contentTypeSchema xmlns:ct="http://schemas.microsoft.com/office/2006/metadata/contentType" xmlns:ma="http://schemas.microsoft.com/office/2006/metadata/properties/metaAttributes" ct:_="" ma:_="" ma:contentTypeName="Document" ma:contentTypeID="0x0101001F513751AC33344AB32CFD2920EFE649" ma:contentTypeVersion="11" ma:contentTypeDescription="Create a new document." ma:contentTypeScope="" ma:versionID="683516f7d70434a0e4dbd6c476be8d5b">
   <xsd:schema xmlns:xsd="http://www.w3.org/2001/XMLSchema" xmlns:xs="http://www.w3.org/2001/XMLSchema" xmlns:p="http://schemas.microsoft.com/office/2006/metadata/properties" xmlns:ns2="72e3a154-4955-46c3-9573-e9dec3e1f195" xmlns:ns3="ec500478-62e0-46fc-87f1-cfa988e486b4" targetNamespace="http://schemas.microsoft.com/office/2006/metadata/properties" ma:root="true" ma:fieldsID="cf4a15c6a1eec5dbba94230cc6a50510" ns2:_="" ns3:_="">
     <xsd:import namespace="72e3a154-4955-46c3-9573-e9dec3e1f195"/>
@@ -8983,21 +8974,22 @@
 </ct:contentTypeSchema>
 </file>
 
-<file path=customXml/item3.xml><?xml version="1.0" encoding="utf-8"?>
+<file path=customXml/item2.xml><?xml version="1.0" encoding="utf-8"?>
 <p:properties xmlns:p="http://schemas.microsoft.com/office/2006/metadata/properties" xmlns:xsi="http://www.w3.org/2001/XMLSchema-instance" xmlns:pc="http://schemas.microsoft.com/office/infopath/2007/PartnerControls">
   <documentManagement/>
 </p:properties>
 </file>
 
-<file path=customXml/itemProps1.xml><?xml version="1.0" encoding="utf-8"?>
-<ds:datastoreItem xmlns:ds="http://schemas.openxmlformats.org/officeDocument/2006/customXml" ds:itemID="{B8B49826-D5EE-4D24-B649-7C3A19B527D2}">
-  <ds:schemaRefs>
-    <ds:schemaRef ds:uri="http://schemas.microsoft.com/sharepoint/v3/contenttype/forms"/>
-  </ds:schemaRefs>
-</ds:datastoreItem>
+<file path=customXml/item3.xml><?xml version="1.0" encoding="utf-8"?>
+<?mso-contentType ?>
+<FormTemplates xmlns="http://schemas.microsoft.com/sharepoint/v3/contenttype/forms">
+  <Display>DocumentLibraryForm</Display>
+  <Edit>DocumentLibraryForm</Edit>
+  <New>DocumentLibraryForm</New>
+</FormTemplates>
 </file>
 
-<file path=customXml/itemProps2.xml><?xml version="1.0" encoding="utf-8"?>
+<file path=customXml/itemProps1.xml><?xml version="1.0" encoding="utf-8"?>
 <ds:datastoreItem xmlns:ds="http://schemas.openxmlformats.org/officeDocument/2006/customXml" ds:itemID="{25EC7A36-1D41-49F4-BCB2-B864FE70D8E3}">
   <ds:schemaRefs>
     <ds:schemaRef ds:uri="http://schemas.microsoft.com/office/2006/metadata/contentType"/>
@@ -9016,19 +9008,27 @@
 </ds:datastoreItem>
 </file>
 
-<file path=customXml/itemProps3.xml><?xml version="1.0" encoding="utf-8"?>
+<file path=customXml/itemProps2.xml><?xml version="1.0" encoding="utf-8"?>
 <ds:datastoreItem xmlns:ds="http://schemas.openxmlformats.org/officeDocument/2006/customXml" ds:itemID="{5F07B0D7-F930-4230-933E-ABA84959494E}">
   <ds:schemaRefs>
     <ds:schemaRef ds:uri="http://purl.org/dc/terms/"/>
+    <ds:schemaRef ds:uri="http://schemas.openxmlformats.org/package/2006/metadata/core-properties"/>
+    <ds:schemaRef ds:uri="72e3a154-4955-46c3-9573-e9dec3e1f195"/>
     <ds:schemaRef ds:uri="http://purl.org/dc/dcmitype/"/>
-    <ds:schemaRef ds:uri="http://schemas.openxmlformats.org/package/2006/metadata/core-properties"/>
+    <ds:schemaRef ds:uri="http://schemas.microsoft.com/office/infopath/2007/PartnerControls"/>
+    <ds:schemaRef ds:uri="http://schemas.microsoft.com/office/2006/documentManagement/types"/>
     <ds:schemaRef ds:uri="http://purl.org/dc/elements/1.1/"/>
-    <ds:schemaRef ds:uri="http://schemas.microsoft.com/office/2006/documentManagement/types"/>
-    <ds:schemaRef ds:uri="http://schemas.microsoft.com/office/infopath/2007/PartnerControls"/>
     <ds:schemaRef ds:uri="ec500478-62e0-46fc-87f1-cfa988e486b4"/>
-    <ds:schemaRef ds:uri="72e3a154-4955-46c3-9573-e9dec3e1f195"/>
     <ds:schemaRef ds:uri="http://schemas.microsoft.com/office/2006/metadata/properties"/>
     <ds:schemaRef ds:uri="http://www.w3.org/XML/1998/namespace"/>
   </ds:schemaRefs>
 </ds:datastoreItem>
+</file>
+
+<file path=customXml/itemProps3.xml><?xml version="1.0" encoding="utf-8"?>
+<ds:datastoreItem xmlns:ds="http://schemas.openxmlformats.org/officeDocument/2006/customXml" ds:itemID="{B8B49826-D5EE-4D24-B649-7C3A19B527D2}">
+  <ds:schemaRefs>
+    <ds:schemaRef ds:uri="http://schemas.microsoft.com/sharepoint/v3/contenttype/forms"/>
+  </ds:schemaRefs>
+</ds:datastoreItem>
 </file>
--- a/2021-04-12to04-16 (A5) C53517 SoftMARS/11_03v01_MarsBaseAlpha_TechnologyTest.pptx
+++ b/2021-04-12to04-16 (A5) C53517 SoftMARS/11_03v01_MarsBaseAlpha_TechnologyTest.pptx
@@ -247,7 +247,7 @@
           <a:p>
             <a:fld id="{F319E496-E8FF-4856-B08F-DBE14D18B236}" type="datetimeFigureOut">
               <a:rPr lang="en-US" smtClean="0"/>
-              <a:t>2/15/2021</a:t>
+              <a:t>2/26/2021</a:t>
             </a:fld>
             <a:endParaRPr lang="en-US"/>
           </a:p>
@@ -424,7 +424,7 @@
           <a:p>
             <a:fld id="{4572F63B-EF0F-9942-98B2-F67CC88AF236}" type="datetimeFigureOut">
               <a:rPr lang="en-US" smtClean="0"/>
-              <a:t>2/15/2021</a:t>
+              <a:t>2/26/2021</a:t>
             </a:fld>
             <a:endParaRPr lang="en-US"/>
           </a:p>
@@ -1111,7 +1111,7 @@
               </a14:hiddenLine>
             </a:ext>
             <a:ext uri="{FAA26D3D-D897-4be2-8F04-BA451C77F1D7}">
-              <ma14:placeholderFlag xmlns:ma14="http://schemas.microsoft.com/office/mac/drawingml/2011/main" xmlns="" val="1"/>
+              <ma14:placeholderFlag xmlns="" xmlns:ma14="http://schemas.microsoft.com/office/mac/drawingml/2011/main" val="1"/>
             </a:ext>
           </a:extLst>
         </p:spPr>
@@ -1365,7 +1365,7 @@
               </a14:hiddenLine>
             </a:ext>
             <a:ext uri="{FAA26D3D-D897-4be2-8F04-BA451C77F1D7}">
-              <ma14:placeholderFlag xmlns:ma14="http://schemas.microsoft.com/office/mac/drawingml/2011/main" xmlns="" val="1"/>
+              <ma14:placeholderFlag xmlns="" xmlns:ma14="http://schemas.microsoft.com/office/mac/drawingml/2011/main" val="1"/>
             </a:ext>
           </a:extLst>
         </p:spPr>
@@ -1787,7 +1787,7 @@
               </a14:hiddenLine>
             </a:ext>
             <a:ext uri="{FAA26D3D-D897-4be2-8F04-BA451C77F1D7}">
-              <ma14:placeholderFlag xmlns:ma14="http://schemas.microsoft.com/office/mac/drawingml/2011/main" xmlns="" val="1"/>
+              <ma14:placeholderFlag xmlns="" xmlns:ma14="http://schemas.microsoft.com/office/mac/drawingml/2011/main" val="1"/>
             </a:ext>
           </a:extLst>
         </p:spPr>
@@ -2263,7 +2263,7 @@
               </a14:hiddenLine>
             </a:ext>
             <a:ext uri="{FAA26D3D-D897-4be2-8F04-BA451C77F1D7}">
-              <ma14:placeholderFlag xmlns:ma14="http://schemas.microsoft.com/office/mac/drawingml/2011/main" xmlns="" val="1"/>
+              <ma14:placeholderFlag xmlns="" xmlns:ma14="http://schemas.microsoft.com/office/mac/drawingml/2011/main" val="1"/>
             </a:ext>
           </a:extLst>
         </p:spPr>
@@ -4623,14 +4623,14 @@
           </a:ln>
           <a:extLst>
             <a:ext uri="{909E8E84-426E-40dd-AFC4-6F175D3DCCD1}">
-              <a14:hiddenFill xmlns:a14="http://schemas.microsoft.com/office/drawing/2010/main" xmlns="">
+              <a14:hiddenFill xmlns="" xmlns:a14="http://schemas.microsoft.com/office/drawing/2010/main">
                 <a:solidFill>
                   <a:schemeClr val="accent1"/>
                 </a:solidFill>
               </a14:hiddenFill>
             </a:ext>
             <a:ext uri="{91240B29-F687-4f45-9708-019B960494DF}">
-              <a14:hiddenLine xmlns:a14="http://schemas.microsoft.com/office/drawing/2010/main" xmlns="" w="9525">
+              <a14:hiddenLine xmlns="" xmlns:a14="http://schemas.microsoft.com/office/drawing/2010/main" w="9525">
                 <a:solidFill>
                   <a:schemeClr val="tx1"/>
                 </a:solidFill>
@@ -8975,18 +8975,18 @@
 </file>
 
 <file path=customXml/item2.xml><?xml version="1.0" encoding="utf-8"?>
-<p:properties xmlns:p="http://schemas.microsoft.com/office/2006/metadata/properties" xmlns:xsi="http://www.w3.org/2001/XMLSchema-instance" xmlns:pc="http://schemas.microsoft.com/office/infopath/2007/PartnerControls">
-  <documentManagement/>
-</p:properties>
-</file>
-
-<file path=customXml/item3.xml><?xml version="1.0" encoding="utf-8"?>
 <?mso-contentType ?>
 <FormTemplates xmlns="http://schemas.microsoft.com/sharepoint/v3/contenttype/forms">
   <Display>DocumentLibraryForm</Display>
   <Edit>DocumentLibraryForm</Edit>
   <New>DocumentLibraryForm</New>
 </FormTemplates>
+</file>
+
+<file path=customXml/item3.xml><?xml version="1.0" encoding="utf-8"?>
+<p:properties xmlns:p="http://schemas.microsoft.com/office/2006/metadata/properties" xmlns:xsi="http://www.w3.org/2001/XMLSchema-instance" xmlns:pc="http://schemas.microsoft.com/office/infopath/2007/PartnerControls">
+  <documentManagement/>
+</p:properties>
 </file>
 
 <file path=customXml/itemProps1.xml><?xml version="1.0" encoding="utf-8"?>
@@ -9009,6 +9009,14 @@
 </file>
 
 <file path=customXml/itemProps2.xml><?xml version="1.0" encoding="utf-8"?>
+<ds:datastoreItem xmlns:ds="http://schemas.openxmlformats.org/officeDocument/2006/customXml" ds:itemID="{B8B49826-D5EE-4D24-B649-7C3A19B527D2}">
+  <ds:schemaRefs>
+    <ds:schemaRef ds:uri="http://schemas.microsoft.com/sharepoint/v3/contenttype/forms"/>
+  </ds:schemaRefs>
+</ds:datastoreItem>
+</file>
+
+<file path=customXml/itemProps3.xml><?xml version="1.0" encoding="utf-8"?>
 <ds:datastoreItem xmlns:ds="http://schemas.openxmlformats.org/officeDocument/2006/customXml" ds:itemID="{5F07B0D7-F930-4230-933E-ABA84959494E}">
   <ds:schemaRefs>
     <ds:schemaRef ds:uri="http://purl.org/dc/terms/"/>
@@ -9023,12 +9031,4 @@
     <ds:schemaRef ds:uri="http://www.w3.org/XML/1998/namespace"/>
   </ds:schemaRefs>
 </ds:datastoreItem>
-</file>
-
-<file path=customXml/itemProps3.xml><?xml version="1.0" encoding="utf-8"?>
-<ds:datastoreItem xmlns:ds="http://schemas.openxmlformats.org/officeDocument/2006/customXml" ds:itemID="{B8B49826-D5EE-4D24-B649-7C3A19B527D2}">
-  <ds:schemaRefs>
-    <ds:schemaRef ds:uri="http://schemas.microsoft.com/sharepoint/v3/contenttype/forms"/>
-  </ds:schemaRefs>
-</ds:datastoreItem>
 </file>